--- a/ClassMaterials/Memoization/memoization.pptx
+++ b/ClassMaterials/Memoization/memoization.pptx
@@ -5,10 +5,10 @@
     <p:sldMasterId id="2147483648" r:id="rId1"/>
   </p:sldMasterIdLst>
   <p:notesMasterIdLst>
-    <p:notesMasterId r:id="rId24"/>
+    <p:notesMasterId r:id="rId25"/>
   </p:notesMasterIdLst>
   <p:handoutMasterIdLst>
-    <p:handoutMasterId r:id="rId25"/>
+    <p:handoutMasterId r:id="rId26"/>
   </p:handoutMasterIdLst>
   <p:sldIdLst>
     <p:sldId id="304" r:id="rId2"/>
@@ -31,8 +31,9 @@
     <p:sldId id="361" r:id="rId19"/>
     <p:sldId id="362" r:id="rId20"/>
     <p:sldId id="363" r:id="rId21"/>
-    <p:sldId id="364" r:id="rId22"/>
-    <p:sldId id="376" r:id="rId23"/>
+    <p:sldId id="462" r:id="rId22"/>
+    <p:sldId id="364" r:id="rId23"/>
+    <p:sldId id="376" r:id="rId24"/>
   </p:sldIdLst>
   <p:sldSz cx="9144000" cy="6858000" type="screen4x3"/>
   <p:notesSz cx="7315200" cy="9601200"/>
@@ -178,6 +179,43 @@
     </p:ext>
   </p:extLst>
 </p:presentation>
+</file>
+
+<file path=ppt/changesInfos/changesInfo1.xml><?xml version="1.0" encoding="utf-8"?>
+<pc:chgInfo xmlns:a="http://schemas.openxmlformats.org/drawingml/2006/main" xmlns:r="http://schemas.openxmlformats.org/officeDocument/2006/relationships" xmlns:ac="http://schemas.microsoft.com/office/drawing/2013/main/command" xmlns:pc="http://schemas.microsoft.com/office/powerpoint/2013/main/command">
+  <pc:docChgLst>
+    <pc:chgData name="Hewner, Mike" userId="7f3f83dd-6dfb-4127-a87f-c1714bd4fac9" providerId="ADAL" clId="{1F2DF6E0-28FA-4987-BAD5-258F5BBC5476}"/>
+    <pc:docChg chg="custSel addSld modSld">
+      <pc:chgData name="Hewner, Mike" userId="7f3f83dd-6dfb-4127-a87f-c1714bd4fac9" providerId="ADAL" clId="{1F2DF6E0-28FA-4987-BAD5-258F5BBC5476}" dt="2021-10-08T14:22:53.002" v="158" actId="20577"/>
+      <pc:docMkLst>
+        <pc:docMk/>
+      </pc:docMkLst>
+      <pc:sldChg chg="modSp new mod">
+        <pc:chgData name="Hewner, Mike" userId="7f3f83dd-6dfb-4127-a87f-c1714bd4fac9" providerId="ADAL" clId="{1F2DF6E0-28FA-4987-BAD5-258F5BBC5476}" dt="2021-10-08T14:22:53.002" v="158" actId="20577"/>
+        <pc:sldMkLst>
+          <pc:docMk/>
+          <pc:sldMk cId="3306011773" sldId="462"/>
+        </pc:sldMkLst>
+        <pc:spChg chg="mod">
+          <ac:chgData name="Hewner, Mike" userId="7f3f83dd-6dfb-4127-a87f-c1714bd4fac9" providerId="ADAL" clId="{1F2DF6E0-28FA-4987-BAD5-258F5BBC5476}" dt="2021-10-08T14:21:42.088" v="74" actId="14100"/>
+          <ac:spMkLst>
+            <pc:docMk/>
+            <pc:sldMk cId="3306011773" sldId="462"/>
+            <ac:spMk id="2" creationId="{DC3EA48B-EE4F-42A1-8067-33202607F020}"/>
+          </ac:spMkLst>
+        </pc:spChg>
+        <pc:spChg chg="mod">
+          <ac:chgData name="Hewner, Mike" userId="7f3f83dd-6dfb-4127-a87f-c1714bd4fac9" providerId="ADAL" clId="{1F2DF6E0-28FA-4987-BAD5-258F5BBC5476}" dt="2021-10-08T14:22:53.002" v="158" actId="20577"/>
+          <ac:spMkLst>
+            <pc:docMk/>
+            <pc:sldMk cId="3306011773" sldId="462"/>
+            <ac:spMk id="3" creationId="{DB6C0755-0335-4338-B232-892122F546B6}"/>
+          </ac:spMkLst>
+        </pc:spChg>
+      </pc:sldChg>
+    </pc:docChg>
+  </pc:docChgLst>
+</pc:chgInfo>
 </file>
 
 <file path=ppt/handoutMasters/handoutMaster1.xml><?xml version="1.0" encoding="utf-8"?>
@@ -1513,7 +1551,7 @@
             <a:fld id="{1DC98F7B-29CD-4C6A-9715-3270586611D1}" type="slidenum">
               <a:rPr lang="en-US" smtClean="0"/>
               <a:pPr/>
-              <a:t>22</a:t>
+              <a:t>23</a:t>
             </a:fld>
             <a:endParaRPr lang="en-US"/>
           </a:p>
@@ -7321,6 +7359,121 @@
       </p:grpSpPr>
       <p:sp>
         <p:nvSpPr>
+          <p:cNvPr id="2" name="Title 1">
+            <a:extLst>
+              <a:ext uri="{FF2B5EF4-FFF2-40B4-BE49-F238E27FC236}">
+                <a16:creationId xmlns:a16="http://schemas.microsoft.com/office/drawing/2014/main" id="{DC3EA48B-EE4F-42A1-8067-33202607F020}"/>
+              </a:ext>
+            </a:extLst>
+          </p:cNvPr>
+          <p:cNvSpPr>
+            <a:spLocks noGrp="1"/>
+          </p:cNvSpPr>
+          <p:nvPr>
+            <p:ph type="title"/>
+          </p:nvPr>
+        </p:nvSpPr>
+        <p:spPr>
+          <a:xfrm>
+            <a:off x="457200" y="274638"/>
+            <a:ext cx="8229600" cy="1325562"/>
+          </a:xfrm>
+        </p:spPr>
+        <p:txBody>
+          <a:bodyPr/>
+          <a:lstStyle/>
+          <a:p>
+            <a:r>
+              <a:rPr lang="en-US" dirty="0"/>
+              <a:t>Don’t forget the </a:t>
+            </a:r>
+            <a:r>
+              <a:rPr lang="en-US" dirty="0" err="1"/>
+              <a:t>e&amp;c</a:t>
+            </a:r>
+            <a:r>
+              <a:rPr lang="en-US" dirty="0"/>
+              <a:t> mini exam is Monday</a:t>
+            </a:r>
+          </a:p>
+        </p:txBody>
+      </p:sp>
+      <p:sp>
+        <p:nvSpPr>
+          <p:cNvPr id="3" name="Content Placeholder 2">
+            <a:extLst>
+              <a:ext uri="{FF2B5EF4-FFF2-40B4-BE49-F238E27FC236}">
+                <a16:creationId xmlns:a16="http://schemas.microsoft.com/office/drawing/2014/main" id="{DB6C0755-0335-4338-B232-892122F546B6}"/>
+              </a:ext>
+            </a:extLst>
+          </p:cNvPr>
+          <p:cNvSpPr>
+            <a:spLocks noGrp="1"/>
+          </p:cNvSpPr>
+          <p:nvPr>
+            <p:ph idx="1"/>
+          </p:nvPr>
+        </p:nvSpPr>
+        <p:spPr>
+          <a:xfrm>
+            <a:off x="457200" y="1981200"/>
+            <a:ext cx="8229600" cy="4144963"/>
+          </a:xfrm>
+        </p:spPr>
+        <p:txBody>
+          <a:bodyPr/>
+          <a:lstStyle/>
+          <a:p>
+            <a:r>
+              <a:rPr lang="en-US" dirty="0"/>
+              <a:t>You’ll have 30 minutes to do one problem</a:t>
+            </a:r>
+          </a:p>
+          <a:p>
+            <a:r>
+              <a:rPr lang="en-US" dirty="0"/>
+              <a:t>It will be </a:t>
+            </a:r>
+            <a:r>
+              <a:rPr lang="en-US"/>
+              <a:t>20 points of Exam2</a:t>
+            </a:r>
+            <a:endParaRPr lang="en-US" dirty="0"/>
+          </a:p>
+        </p:txBody>
+      </p:sp>
+    </p:spTree>
+    <p:extLst>
+      <p:ext uri="{BB962C8B-B14F-4D97-AF65-F5344CB8AC3E}">
+        <p14:creationId xmlns:p14="http://schemas.microsoft.com/office/powerpoint/2010/main" val="3306011773"/>
+      </p:ext>
+    </p:extLst>
+  </p:cSld>
+  <p:clrMapOvr>
+    <a:masterClrMapping/>
+  </p:clrMapOvr>
+</p:sld>
+</file>
+
+<file path=ppt/slides/slide22.xml><?xml version="1.0" encoding="utf-8"?>
+<p:sld xmlns:a="http://schemas.openxmlformats.org/drawingml/2006/main" xmlns:r="http://schemas.openxmlformats.org/officeDocument/2006/relationships" xmlns:p="http://schemas.openxmlformats.org/presentationml/2006/main">
+  <p:cSld>
+    <p:spTree>
+      <p:nvGrpSpPr>
+        <p:cNvPr id="1" name=""/>
+        <p:cNvGrpSpPr/>
+        <p:nvPr/>
+      </p:nvGrpSpPr>
+      <p:grpSpPr>
+        <a:xfrm>
+          <a:off x="0" y="0"/>
+          <a:ext cx="0" cy="0"/>
+          <a:chOff x="0" y="0"/>
+          <a:chExt cx="0" cy="0"/>
+        </a:xfrm>
+      </p:grpSpPr>
+      <p:sp>
+        <p:nvSpPr>
           <p:cNvPr id="134146" name="Rectangle 2"/>
           <p:cNvSpPr>
             <a:spLocks noGrp="1" noChangeArrowheads="1"/>
@@ -7482,7 +7635,7 @@
 </p:sld>
 </file>
 
-<file path=ppt/slides/slide22.xml><?xml version="1.0" encoding="utf-8"?>
+<file path=ppt/slides/slide23.xml><?xml version="1.0" encoding="utf-8"?>
 <p:sld xmlns:a="http://schemas.openxmlformats.org/drawingml/2006/main" xmlns:r="http://schemas.openxmlformats.org/officeDocument/2006/relationships" xmlns:p="http://schemas.openxmlformats.org/presentationml/2006/main" showMasterPhAnim="0">
   <p:cSld>
     <p:spTree>

--- a/ClassMaterials/Memoization/memoization.pptx
+++ b/ClassMaterials/Memoization/memoization.pptx
@@ -5,10 +5,10 @@
     <p:sldMasterId id="2147483648" r:id="rId1"/>
   </p:sldMasterIdLst>
   <p:notesMasterIdLst>
-    <p:notesMasterId r:id="rId25"/>
+    <p:notesMasterId r:id="rId23"/>
   </p:notesMasterIdLst>
   <p:handoutMasterIdLst>
-    <p:handoutMasterId r:id="rId26"/>
+    <p:handoutMasterId r:id="rId24"/>
   </p:handoutMasterIdLst>
   <p:sldIdLst>
     <p:sldId id="304" r:id="rId2"/>
@@ -27,13 +27,11 @@
     <p:sldId id="393" r:id="rId15"/>
     <p:sldId id="358" r:id="rId16"/>
     <p:sldId id="394" r:id="rId17"/>
-    <p:sldId id="452" r:id="rId18"/>
-    <p:sldId id="361" r:id="rId19"/>
-    <p:sldId id="362" r:id="rId20"/>
-    <p:sldId id="363" r:id="rId21"/>
-    <p:sldId id="462" r:id="rId22"/>
-    <p:sldId id="364" r:id="rId23"/>
-    <p:sldId id="376" r:id="rId24"/>
+    <p:sldId id="362" r:id="rId18"/>
+    <p:sldId id="363" r:id="rId19"/>
+    <p:sldId id="462" r:id="rId20"/>
+    <p:sldId id="364" r:id="rId21"/>
+    <p:sldId id="376" r:id="rId22"/>
   </p:sldIdLst>
   <p:sldSz cx="9144000" cy="6858000" type="screen4x3"/>
   <p:notesSz cx="7315200" cy="9601200"/>
@@ -181,6 +179,14 @@
 </p:presentation>
 </file>
 
+<file path=ppt/revisionInfo.xml><?xml version="1.0" encoding="utf-8"?>
+<p1510:revInfo xmlns:a="http://schemas.openxmlformats.org/drawingml/2006/main" xmlns:r="http://schemas.openxmlformats.org/officeDocument/2006/relationships" xmlns:p1510="http://schemas.microsoft.com/office/powerpoint/2015/10/main">
+  <p1510:revLst>
+    <p1510:client id="{AB88673C-5369-4168-9C8D-24E8F8BDEE23}" v="2" dt="2023-01-17T15:14:13.137"/>
+  </p1510:revLst>
+</p1510:revInfo>
+</file>
+
 <file path=ppt/changesInfos/changesInfo1.xml><?xml version="1.0" encoding="utf-8"?>
 <pc:chgInfo xmlns:a="http://schemas.openxmlformats.org/drawingml/2006/main" xmlns:r="http://schemas.openxmlformats.org/officeDocument/2006/relationships" xmlns:ac="http://schemas.microsoft.com/office/drawing/2013/main/command" xmlns:pc="http://schemas.microsoft.com/office/powerpoint/2013/main/command">
   <pc:docChgLst>
@@ -210,6 +216,106 @@
             <pc:docMk/>
             <pc:sldMk cId="3306011773" sldId="462"/>
             <ac:spMk id="3" creationId="{DB6C0755-0335-4338-B232-892122F546B6}"/>
+          </ac:spMkLst>
+        </pc:spChg>
+      </pc:sldChg>
+    </pc:docChg>
+  </pc:docChgLst>
+  <pc:docChgLst>
+    <pc:chgData name="Hewner, Mike" userId="7f3f83dd-6dfb-4127-a87f-c1714bd4fac9" providerId="ADAL" clId="{AB88673C-5369-4168-9C8D-24E8F8BDEE23}"/>
+    <pc:docChg chg="custSel delSld modSld">
+      <pc:chgData name="Hewner, Mike" userId="7f3f83dd-6dfb-4127-a87f-c1714bd4fac9" providerId="ADAL" clId="{AB88673C-5369-4168-9C8D-24E8F8BDEE23}" dt="2023-01-17T19:57:09.987" v="239" actId="20577"/>
+      <pc:docMkLst>
+        <pc:docMk/>
+      </pc:docMkLst>
+      <pc:sldChg chg="del">
+        <pc:chgData name="Hewner, Mike" userId="7f3f83dd-6dfb-4127-a87f-c1714bd4fac9" providerId="ADAL" clId="{AB88673C-5369-4168-9C8D-24E8F8BDEE23}" dt="2023-01-17T15:09:53.816" v="0" actId="47"/>
+        <pc:sldMkLst>
+          <pc:docMk/>
+          <pc:sldMk cId="0" sldId="361"/>
+        </pc:sldMkLst>
+      </pc:sldChg>
+      <pc:sldChg chg="addSp delSp modSp mod">
+        <pc:chgData name="Hewner, Mike" userId="7f3f83dd-6dfb-4127-a87f-c1714bd4fac9" providerId="ADAL" clId="{AB88673C-5369-4168-9C8D-24E8F8BDEE23}" dt="2023-01-17T15:15:12.250" v="219" actId="20577"/>
+        <pc:sldMkLst>
+          <pc:docMk/>
+          <pc:sldMk cId="0" sldId="362"/>
+        </pc:sldMkLst>
+        <pc:spChg chg="add mod">
+          <ac:chgData name="Hewner, Mike" userId="7f3f83dd-6dfb-4127-a87f-c1714bd4fac9" providerId="ADAL" clId="{AB88673C-5369-4168-9C8D-24E8F8BDEE23}" dt="2023-01-17T15:14:57.445" v="200" actId="1076"/>
+          <ac:spMkLst>
+            <pc:docMk/>
+            <pc:sldMk cId="0" sldId="362"/>
+            <ac:spMk id="4" creationId="{CA24E6BB-1836-541B-4D56-148CF25E2D22}"/>
+          </ac:spMkLst>
+        </pc:spChg>
+        <pc:spChg chg="mod">
+          <ac:chgData name="Hewner, Mike" userId="7f3f83dd-6dfb-4127-a87f-c1714bd4fac9" providerId="ADAL" clId="{AB88673C-5369-4168-9C8D-24E8F8BDEE23}" dt="2023-01-17T15:15:12.250" v="219" actId="20577"/>
+          <ac:spMkLst>
+            <pc:docMk/>
+            <pc:sldMk cId="0" sldId="362"/>
+            <ac:spMk id="132098" creationId="{00000000-0000-0000-0000-000000000000}"/>
+          </ac:spMkLst>
+        </pc:spChg>
+        <pc:spChg chg="mod">
+          <ac:chgData name="Hewner, Mike" userId="7f3f83dd-6dfb-4127-a87f-c1714bd4fac9" providerId="ADAL" clId="{AB88673C-5369-4168-9C8D-24E8F8BDEE23}" dt="2023-01-17T15:13:58.147" v="187" actId="20577"/>
+          <ac:spMkLst>
+            <pc:docMk/>
+            <pc:sldMk cId="0" sldId="362"/>
+            <ac:spMk id="132099" creationId="{00000000-0000-0000-0000-000000000000}"/>
+          </ac:spMkLst>
+        </pc:spChg>
+        <pc:graphicFrameChg chg="add del mod">
+          <ac:chgData name="Hewner, Mike" userId="7f3f83dd-6dfb-4127-a87f-c1714bd4fac9" providerId="ADAL" clId="{AB88673C-5369-4168-9C8D-24E8F8BDEE23}" dt="2023-01-17T15:14:13.137" v="189"/>
+          <ac:graphicFrameMkLst>
+            <pc:docMk/>
+            <pc:sldMk cId="0" sldId="362"/>
+            <ac:graphicFrameMk id="2" creationId="{71A2132A-3B0B-35E0-FF48-CDFC51B35F24}"/>
+          </ac:graphicFrameMkLst>
+        </pc:graphicFrameChg>
+      </pc:sldChg>
+      <pc:sldChg chg="modSp mod">
+        <pc:chgData name="Hewner, Mike" userId="7f3f83dd-6dfb-4127-a87f-c1714bd4fac9" providerId="ADAL" clId="{AB88673C-5369-4168-9C8D-24E8F8BDEE23}" dt="2023-01-17T16:26:27.700" v="228" actId="20577"/>
+        <pc:sldMkLst>
+          <pc:docMk/>
+          <pc:sldMk cId="0" sldId="363"/>
+        </pc:sldMkLst>
+        <pc:spChg chg="mod">
+          <ac:chgData name="Hewner, Mike" userId="7f3f83dd-6dfb-4127-a87f-c1714bd4fac9" providerId="ADAL" clId="{AB88673C-5369-4168-9C8D-24E8F8BDEE23}" dt="2023-01-17T16:26:27.700" v="228" actId="20577"/>
+          <ac:spMkLst>
+            <pc:docMk/>
+            <pc:sldMk cId="0" sldId="363"/>
+            <ac:spMk id="133122" creationId="{00000000-0000-0000-0000-000000000000}"/>
+          </ac:spMkLst>
+        </pc:spChg>
+        <pc:spChg chg="mod">
+          <ac:chgData name="Hewner, Mike" userId="7f3f83dd-6dfb-4127-a87f-c1714bd4fac9" providerId="ADAL" clId="{AB88673C-5369-4168-9C8D-24E8F8BDEE23}" dt="2023-01-17T16:26:06.545" v="220"/>
+          <ac:spMkLst>
+            <pc:docMk/>
+            <pc:sldMk cId="0" sldId="363"/>
+            <ac:spMk id="133123" creationId="{00000000-0000-0000-0000-000000000000}"/>
+          </ac:spMkLst>
+        </pc:spChg>
+      </pc:sldChg>
+      <pc:sldChg chg="del">
+        <pc:chgData name="Hewner, Mike" userId="7f3f83dd-6dfb-4127-a87f-c1714bd4fac9" providerId="ADAL" clId="{AB88673C-5369-4168-9C8D-24E8F8BDEE23}" dt="2023-01-17T15:09:53.816" v="0" actId="47"/>
+        <pc:sldMkLst>
+          <pc:docMk/>
+          <pc:sldMk cId="0" sldId="452"/>
+        </pc:sldMkLst>
+      </pc:sldChg>
+      <pc:sldChg chg="modSp mod">
+        <pc:chgData name="Hewner, Mike" userId="7f3f83dd-6dfb-4127-a87f-c1714bd4fac9" providerId="ADAL" clId="{AB88673C-5369-4168-9C8D-24E8F8BDEE23}" dt="2023-01-17T19:57:09.987" v="239" actId="20577"/>
+        <pc:sldMkLst>
+          <pc:docMk/>
+          <pc:sldMk cId="3393604854" sldId="461"/>
+        </pc:sldMkLst>
+        <pc:spChg chg="mod">
+          <ac:chgData name="Hewner, Mike" userId="7f3f83dd-6dfb-4127-a87f-c1714bd4fac9" providerId="ADAL" clId="{AB88673C-5369-4168-9C8D-24E8F8BDEE23}" dt="2023-01-17T19:57:09.987" v="239" actId="20577"/>
+          <ac:spMkLst>
+            <pc:docMk/>
+            <pc:sldMk cId="3393604854" sldId="461"/>
+            <ac:spMk id="6" creationId="{D888AC64-94BD-4475-85C5-07499E04A6E4}"/>
           </ac:spMkLst>
         </pc:spChg>
       </pc:sldChg>
@@ -1361,96 +1467,6 @@
             <p:ph type="sldImg"/>
           </p:nvPr>
         </p:nvSpPr>
-        <p:spPr/>
-      </p:sp>
-      <p:sp>
-        <p:nvSpPr>
-          <p:cNvPr id="3" name="Notes Placeholder 2"/>
-          <p:cNvSpPr>
-            <a:spLocks noGrp="1"/>
-          </p:cNvSpPr>
-          <p:nvPr>
-            <p:ph type="body" idx="1"/>
-          </p:nvPr>
-        </p:nvSpPr>
-        <p:spPr/>
-        <p:txBody>
-          <a:bodyPr>
-            <a:normAutofit/>
-          </a:bodyPr>
-          <a:lstStyle/>
-          <a:p>
-            <a:r>
-              <a:rPr lang="en-US" dirty="0"/>
-              <a:t>This cuts out two uses of (lambda () …)</a:t>
-            </a:r>
-          </a:p>
-        </p:txBody>
-      </p:sp>
-      <p:sp>
-        <p:nvSpPr>
-          <p:cNvPr id="4" name="Slide Number Placeholder 3"/>
-          <p:cNvSpPr>
-            <a:spLocks noGrp="1"/>
-          </p:cNvSpPr>
-          <p:nvPr>
-            <p:ph type="sldNum" sz="quarter" idx="10"/>
-          </p:nvPr>
-        </p:nvSpPr>
-        <p:spPr/>
-        <p:txBody>
-          <a:bodyPr/>
-          <a:lstStyle/>
-          <a:p>
-            <a:fld id="{1DC98F7B-29CD-4C6A-9715-3270586611D1}" type="slidenum">
-              <a:rPr lang="en-US" smtClean="0"/>
-              <a:pPr/>
-              <a:t>18</a:t>
-            </a:fld>
-            <a:endParaRPr lang="en-US"/>
-          </a:p>
-        </p:txBody>
-      </p:sp>
-    </p:spTree>
-    <p:extLst>
-      <p:ext uri="{BB962C8B-B14F-4D97-AF65-F5344CB8AC3E}">
-        <p14:creationId xmlns:p14="http://schemas.microsoft.com/office/powerpoint/2010/main" val="2176509794"/>
-      </p:ext>
-    </p:extLst>
-  </p:cSld>
-  <p:clrMapOvr>
-    <a:masterClrMapping/>
-  </p:clrMapOvr>
-</p:notes>
-</file>
-
-<file path=ppt/notesSlides/notesSlide7.xml><?xml version="1.0" encoding="utf-8"?>
-<p:notes xmlns:a="http://schemas.openxmlformats.org/drawingml/2006/main" xmlns:r="http://schemas.openxmlformats.org/officeDocument/2006/relationships" xmlns:p="http://schemas.openxmlformats.org/presentationml/2006/main">
-  <p:cSld>
-    <p:spTree>
-      <p:nvGrpSpPr>
-        <p:cNvPr id="1" name=""/>
-        <p:cNvGrpSpPr/>
-        <p:nvPr/>
-      </p:nvGrpSpPr>
-      <p:grpSpPr>
-        <a:xfrm>
-          <a:off x="0" y="0"/>
-          <a:ext cx="0" cy="0"/>
-          <a:chOff x="0" y="0"/>
-          <a:chExt cx="0" cy="0"/>
-        </a:xfrm>
-      </p:grpSpPr>
-      <p:sp>
-        <p:nvSpPr>
-          <p:cNvPr id="2" name="Slide Image Placeholder 1"/>
-          <p:cNvSpPr>
-            <a:spLocks noGrp="1" noRot="1" noChangeAspect="1"/>
-          </p:cNvSpPr>
-          <p:nvPr>
-            <p:ph type="sldImg"/>
-          </p:nvPr>
-        </p:nvSpPr>
         <p:spPr>
           <a:xfrm>
             <a:off x="457200" y="720725"/>
@@ -1551,7 +1567,7 @@
             <a:fld id="{1DC98F7B-29CD-4C6A-9715-3270586611D1}" type="slidenum">
               <a:rPr lang="en-US" smtClean="0"/>
               <a:pPr/>
-              <a:t>23</a:t>
+              <a:t>21</a:t>
             </a:fld>
             <a:endParaRPr lang="en-US"/>
           </a:p>
@@ -6046,7 +6062,7 @@
       </p:grpSpPr>
       <p:sp>
         <p:nvSpPr>
-          <p:cNvPr id="129026" name="Rectangle 2"/>
+          <p:cNvPr id="132098" name="Rectangle 2"/>
           <p:cNvSpPr>
             <a:spLocks noGrp="1" noChangeArrowheads="1"/>
           </p:cNvSpPr>
@@ -6054,26 +6070,21 @@
             <p:ph type="title"/>
           </p:nvPr>
         </p:nvSpPr>
-        <p:spPr>
-          <a:xfrm>
-            <a:off x="457200" y="274638"/>
-            <a:ext cx="8229600" cy="715962"/>
-          </a:xfrm>
-        </p:spPr>
+        <p:spPr/>
         <p:txBody>
           <a:bodyPr/>
           <a:lstStyle/>
           <a:p>
             <a:r>
-              <a:rPr lang="en-US" dirty="0"/>
-              <a:t>with-values</a:t>
+              <a:rPr lang="en-US" sz="4000" dirty="0"/>
+              <a:t>Let-values</a:t>
             </a:r>
           </a:p>
         </p:txBody>
       </p:sp>
       <p:sp>
         <p:nvSpPr>
-          <p:cNvPr id="129027" name="Rectangle 3"/>
+          <p:cNvPr id="132099" name="Rectangle 3"/>
           <p:cNvSpPr>
             <a:spLocks noGrp="1" noChangeArrowheads="1"/>
           </p:cNvSpPr>
@@ -6081,313 +6092,108 @@
             <p:ph type="body" idx="1"/>
           </p:nvPr>
         </p:nvSpPr>
-        <p:spPr>
-          <a:xfrm>
-            <a:off x="0" y="1066800"/>
-            <a:ext cx="9144000" cy="5486400"/>
-          </a:xfrm>
-        </p:spPr>
+        <p:spPr/>
         <p:txBody>
           <a:bodyPr/>
           <a:lstStyle/>
           <a:p>
             <a:pPr>
-              <a:lnSpc>
-                <a:spcPct val="90000"/>
-              </a:lnSpc>
-              <a:buFontTx/>
-              <a:buNone/>
-            </a:pPr>
-            <a:r>
-              <a:rPr lang="en-US" sz="2400" dirty="0"/>
-              <a:t>Most of the time when we use call-with-values, the </a:t>
-            </a:r>
-          </a:p>
-          <a:p>
-            <a:pPr>
-              <a:lnSpc>
-                <a:spcPct val="90000"/>
-              </a:lnSpc>
-              <a:buFontTx/>
-              <a:buNone/>
-            </a:pPr>
-            <a:r>
-              <a:rPr lang="en-US" sz="2400" dirty="0">
-                <a:solidFill>
-                  <a:srgbClr val="0033CC"/>
-                </a:solidFill>
+              <a:buFontTx/>
+              <a:buNone/>
+            </a:pPr>
+            <a:r>
+              <a:rPr lang="en-US" dirty="0"/>
+              <a:t>   Often, we’re using explicit lambdas for both parts of call with values.  If so we can use let-values (there is also let*-values and </a:t>
+            </a:r>
+            <a:r>
+              <a:rPr lang="en-US" dirty="0" err="1"/>
+              <a:t>letrec</a:t>
+            </a:r>
+            <a:r>
+              <a:rPr lang="en-US" dirty="0"/>
+              <a:t>-values)</a:t>
+            </a:r>
+          </a:p>
+          <a:p>
+            <a:pPr>
+              <a:buFontTx/>
+              <a:buNone/>
+            </a:pPr>
+            <a:endParaRPr lang="en-US" sz="2800" b="1" dirty="0">
+              <a:solidFill>
+                <a:srgbClr val="0033CC"/>
+              </a:solidFill>
+              <a:latin typeface="Courier New" pitchFamily="49" charset="0"/>
+            </a:endParaRPr>
+          </a:p>
+          <a:p>
+            <a:pPr>
+              <a:buFontTx/>
+              <a:buNone/>
+            </a:pPr>
+            <a:endParaRPr lang="en-US" sz="2800" b="1" dirty="0">
+              <a:solidFill>
+                <a:srgbClr val="0033CC"/>
+              </a:solidFill>
+              <a:latin typeface="Courier New" pitchFamily="49" charset="0"/>
+            </a:endParaRPr>
+          </a:p>
+        </p:txBody>
+      </p:sp>
+      <p:sp>
+        <p:nvSpPr>
+          <p:cNvPr id="4" name="TextBox 3">
+            <a:extLst>
+              <a:ext uri="{FF2B5EF4-FFF2-40B4-BE49-F238E27FC236}">
+                <a16:creationId xmlns:a16="http://schemas.microsoft.com/office/drawing/2014/main" id="{CA24E6BB-1836-541B-4D56-148CF25E2D22}"/>
+              </a:ext>
+            </a:extLst>
+          </p:cNvPr>
+          <p:cNvSpPr txBox="1"/>
+          <p:nvPr/>
+        </p:nvSpPr>
+        <p:spPr>
+          <a:xfrm>
+            <a:off x="762000" y="4343400"/>
+            <a:ext cx="7772400" cy="1323439"/>
+          </a:xfrm>
+          <a:prstGeom prst="rect">
+            <a:avLst/>
+          </a:prstGeom>
+          <a:noFill/>
+        </p:spPr>
+        <p:txBody>
+          <a:bodyPr wrap="square">
+            <a:spAutoFit/>
+          </a:bodyPr>
+          <a:lstStyle/>
+          <a:p>
+            <a:r>
+              <a:rPr lang="en-US" sz="2000" dirty="0">
                 <a:latin typeface="Consolas" panose="020B0609020204030204" pitchFamily="49" charset="0"/>
-                <a:cs typeface="Consolas" panose="020B0609020204030204" pitchFamily="49" charset="0"/>
-              </a:rPr>
-              <a:t>(lambda () ...) </a:t>
-            </a:r>
-            <a:r>
-              <a:rPr lang="en-US" sz="2400" dirty="0"/>
-              <a:t>is just a wrapper for the code we really want to execute</a:t>
-            </a:r>
-          </a:p>
-          <a:p>
-            <a:pPr>
-              <a:lnSpc>
-                <a:spcPct val="90000"/>
-              </a:lnSpc>
-              <a:buFontTx/>
-              <a:buNone/>
-            </a:pPr>
-            <a:r>
-              <a:rPr lang="en-US" sz="2400" dirty="0"/>
-              <a:t>  We can define </a:t>
-            </a:r>
-            <a:r>
-              <a:rPr lang="en-US" sz="2400" b="1" dirty="0"/>
-              <a:t>a new syntactic form</a:t>
-            </a:r>
-            <a:r>
-              <a:rPr lang="en-US" sz="2400" dirty="0"/>
-              <a:t> to simplify this.</a:t>
-            </a:r>
-          </a:p>
-          <a:p>
-            <a:pPr>
-              <a:lnSpc>
-                <a:spcPct val="90000"/>
-              </a:lnSpc>
-              <a:buFontTx/>
-              <a:buNone/>
-            </a:pPr>
-            <a:r>
-              <a:rPr lang="en-US" sz="2400" b="1" dirty="0">
-                <a:solidFill>
-                  <a:srgbClr val="0033CC"/>
-                </a:solidFill>
-                <a:latin typeface="Courier New" pitchFamily="49" charset="0"/>
-              </a:rPr>
-              <a:t>(define-syntax with-values</a:t>
-            </a:r>
-          </a:p>
-          <a:p>
-            <a:pPr>
-              <a:lnSpc>
-                <a:spcPct val="90000"/>
-              </a:lnSpc>
-              <a:buFontTx/>
-              <a:buNone/>
-            </a:pPr>
-            <a:r>
-              <a:rPr lang="en-US" sz="2400" b="1" dirty="0">
-                <a:solidFill>
-                  <a:srgbClr val="0033CC"/>
-                </a:solidFill>
-                <a:latin typeface="Courier New" pitchFamily="49" charset="0"/>
-              </a:rPr>
-              <a:t>  (syntax-rules ()</a:t>
-            </a:r>
-          </a:p>
-          <a:p>
-            <a:pPr>
-              <a:lnSpc>
-                <a:spcPct val="90000"/>
-              </a:lnSpc>
-              <a:buFontTx/>
-              <a:buNone/>
-            </a:pPr>
-            <a:r>
-              <a:rPr lang="en-US" sz="2400" b="1" dirty="0">
-                <a:solidFill>
-                  <a:srgbClr val="0033CC"/>
-                </a:solidFill>
-                <a:latin typeface="Courier New" pitchFamily="49" charset="0"/>
-              </a:rPr>
-              <a:t>    [(_ </a:t>
-            </a:r>
-            <a:r>
-              <a:rPr lang="en-US" sz="2400" b="1" dirty="0" err="1">
-                <a:solidFill>
-                  <a:srgbClr val="0033CC"/>
-                </a:solidFill>
-                <a:latin typeface="Courier New" pitchFamily="49" charset="0"/>
-              </a:rPr>
-              <a:t>expr</a:t>
-            </a:r>
-            <a:r>
-              <a:rPr lang="en-US" sz="2400" b="1" dirty="0">
-                <a:solidFill>
-                  <a:srgbClr val="0033CC"/>
-                </a:solidFill>
-                <a:latin typeface="Courier New" pitchFamily="49" charset="0"/>
-              </a:rPr>
-              <a:t> consumer)</a:t>
-            </a:r>
-          </a:p>
-          <a:p>
-            <a:pPr>
-              <a:lnSpc>
-                <a:spcPct val="90000"/>
-              </a:lnSpc>
-              <a:buFontTx/>
-              <a:buNone/>
-            </a:pPr>
-            <a:r>
-              <a:rPr lang="en-US" sz="2400" b="1" dirty="0">
-                <a:solidFill>
-                  <a:srgbClr val="0033CC"/>
-                </a:solidFill>
-                <a:latin typeface="Courier New" pitchFamily="49" charset="0"/>
-              </a:rPr>
-              <a:t>     (call-with-values </a:t>
-            </a:r>
-            <a:br>
-              <a:rPr lang="en-US" sz="2400" b="1" dirty="0">
-                <a:solidFill>
-                  <a:srgbClr val="0033CC"/>
-                </a:solidFill>
-                <a:latin typeface="Courier New" pitchFamily="49" charset="0"/>
-              </a:rPr>
-            </a:br>
-            <a:r>
-              <a:rPr lang="en-US" sz="2400" b="1" dirty="0">
-                <a:solidFill>
-                  <a:srgbClr val="0033CC"/>
-                </a:solidFill>
-                <a:latin typeface="Courier New" pitchFamily="49" charset="0"/>
-              </a:rPr>
-              <a:t>       (lambda () </a:t>
-            </a:r>
-            <a:r>
-              <a:rPr lang="en-US" sz="2400" b="1" dirty="0" err="1">
-                <a:solidFill>
-                  <a:srgbClr val="0033CC"/>
-                </a:solidFill>
-                <a:latin typeface="Courier New" pitchFamily="49" charset="0"/>
-              </a:rPr>
-              <a:t>expr</a:t>
-            </a:r>
-            <a:r>
-              <a:rPr lang="en-US" sz="2400" b="1" dirty="0">
-                <a:solidFill>
-                  <a:srgbClr val="0033CC"/>
-                </a:solidFill>
-                <a:latin typeface="Courier New" pitchFamily="49" charset="0"/>
-              </a:rPr>
-              <a:t>) </a:t>
-            </a:r>
-          </a:p>
-          <a:p>
-            <a:pPr>
-              <a:lnSpc>
-                <a:spcPct val="90000"/>
-              </a:lnSpc>
-              <a:buFontTx/>
-              <a:buNone/>
-            </a:pPr>
-            <a:r>
-              <a:rPr lang="en-US" sz="2400" b="1" dirty="0">
-                <a:solidFill>
-                  <a:srgbClr val="0033CC"/>
-                </a:solidFill>
-                <a:latin typeface="Courier New" pitchFamily="49" charset="0"/>
-              </a:rPr>
-              <a:t>         consumer)]))</a:t>
-            </a:r>
-          </a:p>
-          <a:p>
-            <a:pPr>
-              <a:lnSpc>
-                <a:spcPct val="90000"/>
-              </a:lnSpc>
-              <a:buFontTx/>
-              <a:buNone/>
-            </a:pPr>
-            <a:r>
-              <a:rPr lang="en-US" sz="2400" b="1" dirty="0"/>
-              <a:t>Why can't </a:t>
-            </a:r>
-            <a:r>
-              <a:rPr lang="en-US" sz="2400" b="1" dirty="0">
+              </a:rPr>
+              <a:t>&gt; (let-values ([(x y) (quotient/remainder 10 3)])</a:t>
+            </a:r>
+          </a:p>
+          <a:p>
+            <a:r>
+              <a:rPr lang="en-US" sz="2000" dirty="0">
                 <a:latin typeface="Consolas" panose="020B0609020204030204" pitchFamily="49" charset="0"/>
-                <a:cs typeface="Consolas" panose="020B0609020204030204" pitchFamily="49" charset="0"/>
-              </a:rPr>
-              <a:t>with-values</a:t>
-            </a:r>
-            <a:r>
-              <a:rPr lang="en-US" sz="2400" b="1" dirty="0"/>
-              <a:t> be a procedure?</a:t>
-            </a:r>
-          </a:p>
-          <a:p>
-            <a:pPr>
-              <a:lnSpc>
-                <a:spcPct val="90000"/>
-              </a:lnSpc>
-              <a:buFontTx/>
-              <a:buNone/>
-            </a:pPr>
-            <a:r>
-              <a:rPr lang="en-US" sz="2400" b="1" dirty="0">
-                <a:solidFill>
-                  <a:srgbClr val="FF0000"/>
-                </a:solidFill>
-              </a:rPr>
-              <a:t>Example of </a:t>
-            </a:r>
-            <a:r>
-              <a:rPr lang="en-US" sz="2400" b="1" dirty="0">
-                <a:solidFill>
-                  <a:srgbClr val="FF0000"/>
-                </a:solidFill>
+              </a:rPr>
+              <a:t>    (list y x))</a:t>
+            </a:r>
+          </a:p>
+          <a:p>
+            <a:endParaRPr lang="en-US" sz="2000" dirty="0">
+              <a:latin typeface="Consolas" panose="020B0609020204030204" pitchFamily="49" charset="0"/>
+            </a:endParaRPr>
+          </a:p>
+          <a:p>
+            <a:r>
+              <a:rPr lang="en-US" sz="2000" dirty="0">
                 <a:latin typeface="Consolas" panose="020B0609020204030204" pitchFamily="49" charset="0"/>
-                <a:cs typeface="Consolas" panose="020B0609020204030204" pitchFamily="49" charset="0"/>
-              </a:rPr>
-              <a:t>with-values</a:t>
-            </a:r>
-            <a:r>
-              <a:rPr lang="en-US" sz="2400" b="1" dirty="0">
-                <a:solidFill>
-                  <a:srgbClr val="FF0000"/>
-                </a:solidFill>
-              </a:rPr>
-              <a:t>:</a:t>
-            </a:r>
-            <a:endParaRPr lang="en-US" sz="2400" dirty="0">
-              <a:solidFill>
-                <a:srgbClr val="FF0000"/>
-              </a:solidFill>
-            </a:endParaRPr>
-          </a:p>
-          <a:p>
-            <a:pPr>
-              <a:lnSpc>
-                <a:spcPct val="90000"/>
-              </a:lnSpc>
-              <a:buFontTx/>
-              <a:buNone/>
-            </a:pPr>
-            <a:r>
-              <a:rPr lang="en-US" sz="2400" b="1" dirty="0">
-                <a:solidFill>
-                  <a:srgbClr val="0033CC"/>
-                </a:solidFill>
-                <a:latin typeface="Courier New" pitchFamily="49" charset="0"/>
-              </a:rPr>
-              <a:t>&gt; (with-values (split '(a b c d e f)) list)</a:t>
-            </a:r>
-          </a:p>
-          <a:p>
-            <a:pPr>
-              <a:lnSpc>
-                <a:spcPct val="90000"/>
-              </a:lnSpc>
-              <a:buFontTx/>
-              <a:buNone/>
-            </a:pPr>
-            <a:r>
-              <a:rPr lang="en-US" sz="2400" b="1" dirty="0">
-                <a:solidFill>
-                  <a:srgbClr val="0033CC"/>
-                </a:solidFill>
-                <a:latin typeface="Courier New" pitchFamily="49" charset="0"/>
-              </a:rPr>
-              <a:t>((a c e) (b d f))</a:t>
+              </a:rPr>
+              <a:t>'(1 3)</a:t>
             </a:r>
           </a:p>
         </p:txBody>
@@ -6419,7 +6225,7 @@
       </p:grpSpPr>
       <p:sp>
         <p:nvSpPr>
-          <p:cNvPr id="131074" name="Rectangle 2"/>
+          <p:cNvPr id="133122" name="Rectangle 2"/>
           <p:cNvSpPr>
             <a:spLocks noGrp="1" noChangeArrowheads="1"/>
           </p:cNvSpPr>
@@ -6433,33 +6239,15 @@
           <a:lstStyle/>
           <a:p>
             <a:r>
-              <a:rPr lang="en-US" sz="4000" dirty="0"/>
-              <a:t>Shorter version of </a:t>
-            </a:r>
-            <a:r>
-              <a:rPr lang="en-US" sz="4000" dirty="0">
-                <a:latin typeface="Courier New" pitchFamily="49" charset="0"/>
-                <a:cs typeface="Courier New" pitchFamily="49" charset="0"/>
-              </a:rPr>
-              <a:t>list-average </a:t>
-            </a:r>
-            <a:r>
-              <a:rPr lang="en-US" sz="4000" dirty="0"/>
-              <a:t>that uses </a:t>
-            </a:r>
-            <a:r>
-              <a:rPr lang="en-US" sz="4000" dirty="0">
-                <a:latin typeface="Courier New" pitchFamily="49" charset="0"/>
-                <a:cs typeface="Courier New" pitchFamily="49" charset="0"/>
-              </a:rPr>
-              <a:t>with-values</a:t>
+              <a:rPr lang="en-US" dirty="0"/>
+              <a:t>list-average using let-values</a:t>
             </a:r>
           </a:p>
         </p:txBody>
       </p:sp>
       <p:sp>
         <p:nvSpPr>
-          <p:cNvPr id="131075" name="Rectangle 3"/>
+          <p:cNvPr id="133123" name="Rectangle 3"/>
           <p:cNvSpPr>
             <a:spLocks noGrp="1" noChangeArrowheads="1"/>
           </p:cNvSpPr>
@@ -6467,12 +6255,7 @@
             <p:ph type="body" idx="1"/>
           </p:nvPr>
         </p:nvSpPr>
-        <p:spPr>
-          <a:xfrm>
-            <a:off x="0" y="1874838"/>
-            <a:ext cx="8915400" cy="4525962"/>
-          </a:xfrm>
-        </p:spPr>
+        <p:spPr/>
         <p:txBody>
           <a:bodyPr/>
           <a:lstStyle/>
@@ -6485,7 +6268,7 @@
               <a:buNone/>
             </a:pPr>
             <a:r>
-              <a:rPr lang="en-US" sz="2400" b="1" dirty="0">
+              <a:rPr lang="it-IT" sz="2400" b="1" dirty="0">
                 <a:latin typeface="Courier New" pitchFamily="49" charset="0"/>
               </a:rPr>
               <a:t>(define list-average</a:t>
@@ -6500,195 +6283,142 @@
               <a:buNone/>
             </a:pPr>
             <a:r>
-              <a:rPr lang="en-US" sz="2400" b="1" dirty="0">
-                <a:latin typeface="Courier New" pitchFamily="49" charset="0"/>
-              </a:rPr>
-              <a:t>  (</a:t>
-            </a:r>
-            <a:r>
-              <a:rPr lang="en-US" sz="2400" b="1" dirty="0" err="1">
-                <a:latin typeface="Courier New" pitchFamily="49" charset="0"/>
-              </a:rPr>
-              <a:t>letrec</a:t>
-            </a:r>
-            <a:r>
-              <a:rPr lang="en-US" sz="2400" b="1" dirty="0">
-                <a:latin typeface="Courier New" pitchFamily="49" charset="0"/>
-              </a:rPr>
-              <a:t> ([helper </a:t>
-            </a:r>
-          </a:p>
-          <a:p>
-            <a:pPr>
-              <a:lnSpc>
-                <a:spcPct val="80000"/>
-              </a:lnSpc>
-              <a:buFontTx/>
-              <a:buNone/>
-            </a:pPr>
-            <a:r>
-              <a:rPr lang="en-US" sz="2400" b="1" dirty="0">
-                <a:latin typeface="Courier New" pitchFamily="49" charset="0"/>
-              </a:rPr>
-              <a:t>            (lambda (L)</a:t>
-            </a:r>
-          </a:p>
-          <a:p>
-            <a:pPr>
-              <a:lnSpc>
-                <a:spcPct val="80000"/>
-              </a:lnSpc>
-              <a:buFontTx/>
-              <a:buNone/>
-            </a:pPr>
-            <a:r>
-              <a:rPr lang="en-US" sz="2400" b="1" dirty="0">
-                <a:latin typeface="Courier New" pitchFamily="49" charset="0"/>
-              </a:rPr>
-              <a:t>              (if (null? L)</a:t>
-            </a:r>
-          </a:p>
-          <a:p>
-            <a:pPr>
-              <a:lnSpc>
-                <a:spcPct val="80000"/>
-              </a:lnSpc>
-              <a:buFontTx/>
-              <a:buNone/>
-            </a:pPr>
-            <a:r>
-              <a:rPr lang="en-US" sz="2400" b="1" dirty="0">
-                <a:latin typeface="Courier New" pitchFamily="49" charset="0"/>
-              </a:rPr>
-              <a:t>                  (values 0 0) </a:t>
-            </a:r>
-            <a:r>
-              <a:rPr lang="en-US" sz="2400" b="1" dirty="0">
-                <a:solidFill>
-                  <a:srgbClr val="FF0000"/>
-                </a:solidFill>
-                <a:latin typeface="Courier New" pitchFamily="49" charset="0"/>
-              </a:rPr>
-              <a:t>; sum, length</a:t>
-            </a:r>
-          </a:p>
-          <a:p>
-            <a:pPr>
-              <a:lnSpc>
-                <a:spcPct val="80000"/>
-              </a:lnSpc>
-              <a:buFontTx/>
-              <a:buNone/>
-            </a:pPr>
-            <a:r>
-              <a:rPr lang="en-US" sz="2400" b="1" dirty="0">
-                <a:latin typeface="Courier New" pitchFamily="49" charset="0"/>
-              </a:rPr>
-              <a:t>                  (with-values</a:t>
-            </a:r>
-          </a:p>
-          <a:p>
-            <a:pPr>
-              <a:lnSpc>
-                <a:spcPct val="80000"/>
-              </a:lnSpc>
-              <a:buFontTx/>
-              <a:buNone/>
-            </a:pPr>
-            <a:r>
-              <a:rPr lang="en-US" sz="2400" b="1" dirty="0">
-                <a:latin typeface="Courier New" pitchFamily="49" charset="0"/>
-              </a:rPr>
-              <a:t>                     (helper (</a:t>
-            </a:r>
-            <a:r>
-              <a:rPr lang="en-US" sz="2400" b="1" dirty="0" err="1">
-                <a:latin typeface="Courier New" pitchFamily="49" charset="0"/>
-              </a:rPr>
-              <a:t>cdr</a:t>
-            </a:r>
-            <a:r>
-              <a:rPr lang="en-US" sz="2400" b="1" dirty="0">
-                <a:latin typeface="Courier New" pitchFamily="49" charset="0"/>
-              </a:rPr>
-              <a:t> L))</a:t>
-            </a:r>
-          </a:p>
-          <a:p>
-            <a:pPr>
-              <a:lnSpc>
-                <a:spcPct val="80000"/>
-              </a:lnSpc>
-              <a:buFontTx/>
-              <a:buNone/>
-            </a:pPr>
-            <a:r>
-              <a:rPr lang="en-US" sz="2400" b="1" dirty="0">
-                <a:latin typeface="Courier New" pitchFamily="49" charset="0"/>
-              </a:rPr>
-              <a:t>                     (lambda (sum </a:t>
-            </a:r>
-            <a:r>
-              <a:rPr lang="en-US" sz="2400" b="1" dirty="0" err="1">
-                <a:latin typeface="Courier New" pitchFamily="49" charset="0"/>
-              </a:rPr>
-              <a:t>len</a:t>
-            </a:r>
-            <a:r>
-              <a:rPr lang="en-US" sz="2400" b="1" dirty="0">
-                <a:latin typeface="Courier New" pitchFamily="49" charset="0"/>
-              </a:rPr>
-              <a:t>)</a:t>
-            </a:r>
-          </a:p>
-          <a:p>
-            <a:pPr>
-              <a:lnSpc>
-                <a:spcPct val="80000"/>
-              </a:lnSpc>
-              <a:buFontTx/>
-              <a:buNone/>
-            </a:pPr>
-            <a:r>
-              <a:rPr lang="en-US" sz="2400" b="1" dirty="0">
-                <a:latin typeface="Courier New" pitchFamily="49" charset="0"/>
-              </a:rPr>
-              <a:t>                       (values (+ sum (car L)) </a:t>
-            </a:r>
-            <a:br>
-              <a:rPr lang="en-US" sz="2400" b="1" dirty="0">
-                <a:latin typeface="Courier New" pitchFamily="49" charset="0"/>
-              </a:rPr>
-            </a:br>
-            <a:r>
-              <a:rPr lang="en-US" sz="2400" b="1" dirty="0">
-                <a:latin typeface="Courier New" pitchFamily="49" charset="0"/>
-              </a:rPr>
-              <a:t>                             (+ 1 </a:t>
-            </a:r>
-            <a:r>
-              <a:rPr lang="en-US" sz="2400" b="1" dirty="0" err="1">
-                <a:latin typeface="Courier New" pitchFamily="49" charset="0"/>
-              </a:rPr>
-              <a:t>len</a:t>
-            </a:r>
-            <a:r>
-              <a:rPr lang="en-US" sz="2400" b="1" dirty="0">
-                <a:latin typeface="Courier New" pitchFamily="49" charset="0"/>
-              </a:rPr>
-              <a:t>))))))])</a:t>
-            </a:r>
-          </a:p>
-          <a:p>
-            <a:pPr>
-              <a:lnSpc>
-                <a:spcPct val="80000"/>
-              </a:lnSpc>
-              <a:buFontTx/>
-              <a:buNone/>
-            </a:pPr>
-            <a:r>
-              <a:rPr lang="en-US" sz="2400" b="1" dirty="0">
+              <a:rPr lang="it-IT" sz="2400" b="1" dirty="0">
+                <a:latin typeface="Courier New" pitchFamily="49" charset="0"/>
+              </a:rPr>
+              <a:t>  (letrec </a:t>
+            </a:r>
+          </a:p>
+          <a:p>
+            <a:pPr>
+              <a:lnSpc>
+                <a:spcPct val="80000"/>
+              </a:lnSpc>
+              <a:buFontTx/>
+              <a:buNone/>
+            </a:pPr>
+            <a:r>
+              <a:rPr lang="it-IT" sz="2400" b="1" dirty="0">
+                <a:latin typeface="Courier New" pitchFamily="49" charset="0"/>
+              </a:rPr>
+              <a:t>    ([helper </a:t>
+            </a:r>
+          </a:p>
+          <a:p>
+            <a:pPr>
+              <a:lnSpc>
+                <a:spcPct val="80000"/>
+              </a:lnSpc>
+              <a:buFontTx/>
+              <a:buNone/>
+            </a:pPr>
+            <a:r>
+              <a:rPr lang="it-IT" sz="2400" b="1" dirty="0">
+                <a:latin typeface="Courier New" pitchFamily="49" charset="0"/>
+              </a:rPr>
+              <a:t>       (lambda (L)</a:t>
+            </a:r>
+          </a:p>
+          <a:p>
+            <a:pPr>
+              <a:lnSpc>
+                <a:spcPct val="80000"/>
+              </a:lnSpc>
+              <a:buFontTx/>
+              <a:buNone/>
+            </a:pPr>
+            <a:r>
+              <a:rPr lang="it-IT" sz="2400" b="1" dirty="0">
+                <a:latin typeface="Courier New" pitchFamily="49" charset="0"/>
+              </a:rPr>
+              <a:t>          (if (null? L)</a:t>
+            </a:r>
+          </a:p>
+          <a:p>
+            <a:pPr>
+              <a:lnSpc>
+                <a:spcPct val="80000"/>
+              </a:lnSpc>
+              <a:buFontTx/>
+              <a:buNone/>
+            </a:pPr>
+            <a:r>
+              <a:rPr lang="it-IT" sz="2400" b="1" dirty="0">
+                <a:latin typeface="Courier New" pitchFamily="49" charset="0"/>
+              </a:rPr>
+              <a:t>              (values 0 0) ; sum, length</a:t>
+            </a:r>
+          </a:p>
+          <a:p>
+            <a:pPr>
+              <a:lnSpc>
+                <a:spcPct val="80000"/>
+              </a:lnSpc>
+              <a:buFontTx/>
+              <a:buNone/>
+            </a:pPr>
+            <a:r>
+              <a:rPr lang="it-IT" sz="2400" b="1" dirty="0">
+                <a:latin typeface="Courier New" pitchFamily="49" charset="0"/>
+              </a:rPr>
+              <a:t>              (let-values (((sum len) </a:t>
+            </a:r>
+          </a:p>
+          <a:p>
+            <a:pPr>
+              <a:lnSpc>
+                <a:spcPct val="80000"/>
+              </a:lnSpc>
+              <a:buFontTx/>
+              <a:buNone/>
+            </a:pPr>
+            <a:r>
+              <a:rPr lang="it-IT" sz="2400" b="1" dirty="0">
+                <a:latin typeface="Courier New" pitchFamily="49" charset="0"/>
+              </a:rPr>
+              <a:t>                      (helper (cdr L))))</a:t>
+            </a:r>
+          </a:p>
+          <a:p>
+            <a:pPr>
+              <a:lnSpc>
+                <a:spcPct val="80000"/>
+              </a:lnSpc>
+              <a:buFontTx/>
+              <a:buNone/>
+            </a:pPr>
+            <a:r>
+              <a:rPr lang="it-IT" sz="2400" b="1" dirty="0">
+                <a:latin typeface="Courier New" pitchFamily="49" charset="0"/>
+              </a:rPr>
+              <a:t>                (values (+ sum (car L)) </a:t>
+            </a:r>
+          </a:p>
+          <a:p>
+            <a:pPr>
+              <a:lnSpc>
+                <a:spcPct val="80000"/>
+              </a:lnSpc>
+              <a:buFontTx/>
+              <a:buNone/>
+            </a:pPr>
+            <a:r>
+              <a:rPr lang="it-IT" sz="2400" b="1" dirty="0">
+                <a:latin typeface="Courier New" pitchFamily="49" charset="0"/>
+              </a:rPr>
+              <a:t>                        (+ 1 len)))))])</a:t>
+            </a:r>
+          </a:p>
+          <a:p>
+            <a:pPr>
+              <a:lnSpc>
+                <a:spcPct val="80000"/>
+              </a:lnSpc>
+              <a:buFontTx/>
+              <a:buNone/>
+            </a:pPr>
+            <a:r>
+              <a:rPr lang="it-IT" sz="2400" b="1" dirty="0">
                 <a:latin typeface="Courier New" pitchFamily="49" charset="0"/>
               </a:rPr>
               <a:t>    (lambda (L)</a:t>
@@ -6703,11 +6433,14 @@
               <a:buNone/>
             </a:pPr>
             <a:r>
-              <a:rPr lang="en-US" sz="2400" b="1" dirty="0">
-                <a:latin typeface="Courier New" pitchFamily="49" charset="0"/>
-              </a:rPr>
-              <a:t>      (with-values (helper L) / ))))</a:t>
-            </a:r>
+              <a:rPr lang="it-IT" sz="2400" b="1" dirty="0">
+                <a:latin typeface="Courier New" pitchFamily="49" charset="0"/>
+              </a:rPr>
+              <a:t>      (let-values (((sum len) (helper L))) (/ sum len) ))))</a:t>
+            </a:r>
+            <a:endParaRPr lang="en-US" sz="2400" b="1" dirty="0">
+              <a:latin typeface="Courier New" pitchFamily="49" charset="0"/>
+            </a:endParaRPr>
           </a:p>
         </p:txBody>
       </p:sp>
@@ -6738,203 +6471,95 @@
       </p:grpSpPr>
       <p:sp>
         <p:nvSpPr>
-          <p:cNvPr id="132098" name="Rectangle 2"/>
+          <p:cNvPr id="2" name="Title 1">
+            <a:extLst>
+              <a:ext uri="{FF2B5EF4-FFF2-40B4-BE49-F238E27FC236}">
+                <a16:creationId xmlns:a16="http://schemas.microsoft.com/office/drawing/2014/main" id="{DC3EA48B-EE4F-42A1-8067-33202607F020}"/>
+              </a:ext>
+            </a:extLst>
+          </p:cNvPr>
           <p:cNvSpPr>
-            <a:spLocks noGrp="1" noChangeArrowheads="1"/>
+            <a:spLocks noGrp="1"/>
           </p:cNvSpPr>
           <p:nvPr>
             <p:ph type="title"/>
           </p:nvPr>
         </p:nvSpPr>
-        <p:spPr/>
+        <p:spPr>
+          <a:xfrm>
+            <a:off x="457200" y="274638"/>
+            <a:ext cx="8229600" cy="1325562"/>
+          </a:xfrm>
+        </p:spPr>
         <p:txBody>
           <a:bodyPr/>
           <a:lstStyle/>
           <a:p>
             <a:r>
-              <a:rPr lang="en-US" sz="4000" dirty="0"/>
-              <a:t>mv-let (mv is for </a:t>
-            </a:r>
-            <a:r>
-              <a:rPr lang="en-US" sz="4000" i="1" dirty="0"/>
-              <a:t>multiple-valued</a:t>
-            </a:r>
-            <a:r>
-              <a:rPr lang="en-US" sz="4000" dirty="0"/>
-              <a:t>)</a:t>
+              <a:rPr lang="en-US" dirty="0"/>
+              <a:t>Don’t forget the </a:t>
+            </a:r>
+            <a:r>
+              <a:rPr lang="en-US" dirty="0" err="1"/>
+              <a:t>e&amp;c</a:t>
+            </a:r>
+            <a:r>
+              <a:rPr lang="en-US" dirty="0"/>
+              <a:t> mini exam is Monday</a:t>
             </a:r>
           </a:p>
         </p:txBody>
       </p:sp>
       <p:sp>
         <p:nvSpPr>
-          <p:cNvPr id="132099" name="Rectangle 3"/>
+          <p:cNvPr id="3" name="Content Placeholder 2">
+            <a:extLst>
+              <a:ext uri="{FF2B5EF4-FFF2-40B4-BE49-F238E27FC236}">
+                <a16:creationId xmlns:a16="http://schemas.microsoft.com/office/drawing/2014/main" id="{DB6C0755-0335-4338-B232-892122F546B6}"/>
+              </a:ext>
+            </a:extLst>
+          </p:cNvPr>
           <p:cNvSpPr>
-            <a:spLocks noGrp="1" noChangeArrowheads="1"/>
+            <a:spLocks noGrp="1"/>
           </p:cNvSpPr>
           <p:nvPr>
-            <p:ph type="body" idx="1"/>
+            <p:ph idx="1"/>
           </p:nvPr>
         </p:nvSpPr>
-        <p:spPr/>
+        <p:spPr>
+          <a:xfrm>
+            <a:off x="457200" y="1981200"/>
+            <a:ext cx="8229600" cy="4144963"/>
+          </a:xfrm>
+        </p:spPr>
         <p:txBody>
           <a:bodyPr/>
           <a:lstStyle/>
           <a:p>
-            <a:pPr>
-              <a:buFontTx/>
-              <a:buNone/>
-            </a:pPr>
             <a:r>
               <a:rPr lang="en-US" dirty="0"/>
-              <a:t>   For the frequent case where the consumer is also defined  by </a:t>
-            </a:r>
-            <a:r>
-              <a:rPr lang="en-US" b="1" dirty="0">
-                <a:latin typeface="Courier New" pitchFamily="49" charset="0"/>
-              </a:rPr>
-              <a:t>(lambda ...)</a:t>
-            </a:r>
+              <a:t>You’ll have 30 minutes to do one problem</a:t>
+            </a:r>
+          </a:p>
+          <a:p>
             <a:r>
               <a:rPr lang="en-US" dirty="0"/>
-              <a:t>, here is </a:t>
-            </a:r>
-            <a:r>
-              <a:rPr lang="en-US" b="1" dirty="0"/>
-              <a:t>another convenient abbreviation</a:t>
-            </a:r>
-            <a:r>
-              <a:rPr lang="en-US" dirty="0"/>
-              <a:t>:</a:t>
-            </a:r>
-            <a:br>
-              <a:rPr lang="en-US" dirty="0"/>
-            </a:br>
+              <a:t>It will be </a:t>
+            </a:r>
+            <a:r>
+              <a:rPr lang="en-US"/>
+              <a:t>20 points of Exam2</a:t>
+            </a:r>
             <a:endParaRPr lang="en-US" dirty="0"/>
-          </a:p>
-          <a:p>
-            <a:pPr>
-              <a:spcBef>
-                <a:spcPct val="0"/>
-              </a:spcBef>
-              <a:buFontTx/>
-              <a:buNone/>
-            </a:pPr>
-            <a:r>
-              <a:rPr lang="en-US" sz="2800" b="1" dirty="0">
-                <a:solidFill>
-                  <a:srgbClr val="0033CC"/>
-                </a:solidFill>
-                <a:latin typeface="Courier New" pitchFamily="49" charset="0"/>
-              </a:rPr>
-              <a:t>(define-syntax </a:t>
-            </a:r>
-            <a:r>
-              <a:rPr lang="en-US" sz="2800" b="1" dirty="0" err="1">
-                <a:solidFill>
-                  <a:srgbClr val="0033CC"/>
-                </a:solidFill>
-                <a:latin typeface="Courier New" pitchFamily="49" charset="0"/>
-              </a:rPr>
-              <a:t>mvlet</a:t>
-            </a:r>
-            <a:endParaRPr lang="en-US" sz="2800" b="1" dirty="0">
-              <a:solidFill>
-                <a:srgbClr val="0033CC"/>
-              </a:solidFill>
-              <a:latin typeface="Courier New" pitchFamily="49" charset="0"/>
-            </a:endParaRPr>
-          </a:p>
-          <a:p>
-            <a:pPr>
-              <a:spcBef>
-                <a:spcPct val="0"/>
-              </a:spcBef>
-              <a:buFontTx/>
-              <a:buNone/>
-            </a:pPr>
-            <a:r>
-              <a:rPr lang="en-US" sz="2800" b="1" dirty="0">
-                <a:solidFill>
-                  <a:srgbClr val="0033CC"/>
-                </a:solidFill>
-                <a:latin typeface="Courier New" pitchFamily="49" charset="0"/>
-              </a:rPr>
-              <a:t>  (syntax-rules ()</a:t>
-            </a:r>
-          </a:p>
-          <a:p>
-            <a:pPr>
-              <a:spcBef>
-                <a:spcPct val="0"/>
-              </a:spcBef>
-              <a:buFontTx/>
-              <a:buNone/>
-            </a:pPr>
-            <a:r>
-              <a:rPr lang="en-US" sz="2800" b="1" dirty="0">
-                <a:solidFill>
-                  <a:srgbClr val="0033CC"/>
-                </a:solidFill>
-                <a:latin typeface="Courier New" pitchFamily="49" charset="0"/>
-              </a:rPr>
-              <a:t>    ((_ ((x ...) e0) e1 e2 ...)</a:t>
-            </a:r>
-          </a:p>
-          <a:p>
-            <a:pPr>
-              <a:spcBef>
-                <a:spcPct val="0"/>
-              </a:spcBef>
-              <a:buFontTx/>
-              <a:buNone/>
-            </a:pPr>
-            <a:r>
-              <a:rPr lang="en-US" sz="2800" b="1" dirty="0">
-                <a:solidFill>
-                  <a:srgbClr val="0033CC"/>
-                </a:solidFill>
-                <a:latin typeface="Courier New" pitchFamily="49" charset="0"/>
-              </a:rPr>
-              <a:t>     (with-values e0</a:t>
-            </a:r>
-          </a:p>
-          <a:p>
-            <a:pPr>
-              <a:spcBef>
-                <a:spcPct val="0"/>
-              </a:spcBef>
-              <a:buFontTx/>
-              <a:buNone/>
-            </a:pPr>
-            <a:r>
-              <a:rPr lang="en-US" sz="2800" b="1" dirty="0">
-                <a:solidFill>
-                  <a:srgbClr val="0033CC"/>
-                </a:solidFill>
-                <a:latin typeface="Courier New" pitchFamily="49" charset="0"/>
-              </a:rPr>
-              <a:t>       </a:t>
-            </a:r>
-            <a:r>
-              <a:rPr lang="it-IT" sz="2800" b="1" dirty="0">
-                <a:solidFill>
-                  <a:srgbClr val="0033CC"/>
-                </a:solidFill>
-                <a:latin typeface="Courier New" pitchFamily="49" charset="0"/>
-              </a:rPr>
-              <a:t>(lambda (x ...) e1 e2 ...)))))</a:t>
-            </a:r>
-            <a:endParaRPr lang="en-US" sz="2800" b="1" dirty="0">
-              <a:solidFill>
-                <a:srgbClr val="0033CC"/>
-              </a:solidFill>
-              <a:latin typeface="Courier New" pitchFamily="49" charset="0"/>
-            </a:endParaRPr>
           </a:p>
         </p:txBody>
       </p:sp>
     </p:spTree>
+    <p:extLst>
+      <p:ext uri="{BB962C8B-B14F-4D97-AF65-F5344CB8AC3E}">
+        <p14:creationId xmlns:p14="http://schemas.microsoft.com/office/powerpoint/2010/main" val="3306011773"/>
+      </p:ext>
+    </p:extLst>
   </p:cSld>
   <p:clrMapOvr>
     <a:masterClrMapping/>
@@ -7041,439 +6666,6 @@
       </p:grpSpPr>
       <p:sp>
         <p:nvSpPr>
-          <p:cNvPr id="133122" name="Rectangle 2"/>
-          <p:cNvSpPr>
-            <a:spLocks noGrp="1" noChangeArrowheads="1"/>
-          </p:cNvSpPr>
-          <p:nvPr>
-            <p:ph type="title"/>
-          </p:nvPr>
-        </p:nvSpPr>
-        <p:spPr/>
-        <p:txBody>
-          <a:bodyPr/>
-          <a:lstStyle/>
-          <a:p>
-            <a:r>
-              <a:rPr lang="en-US"/>
-              <a:t>list-average using mv-let</a:t>
-            </a:r>
-          </a:p>
-        </p:txBody>
-      </p:sp>
-      <p:sp>
-        <p:nvSpPr>
-          <p:cNvPr id="133123" name="Rectangle 3"/>
-          <p:cNvSpPr>
-            <a:spLocks noGrp="1" noChangeArrowheads="1"/>
-          </p:cNvSpPr>
-          <p:nvPr>
-            <p:ph type="body" idx="1"/>
-          </p:nvPr>
-        </p:nvSpPr>
-        <p:spPr/>
-        <p:txBody>
-          <a:bodyPr/>
-          <a:lstStyle/>
-          <a:p>
-            <a:pPr>
-              <a:lnSpc>
-                <a:spcPct val="80000"/>
-              </a:lnSpc>
-              <a:buFontTx/>
-              <a:buNone/>
-            </a:pPr>
-            <a:r>
-              <a:rPr lang="it-IT" sz="2400" b="1" dirty="0">
-                <a:latin typeface="Courier New" pitchFamily="49" charset="0"/>
-              </a:rPr>
-              <a:t>(define list-average</a:t>
-            </a:r>
-          </a:p>
-          <a:p>
-            <a:pPr>
-              <a:lnSpc>
-                <a:spcPct val="80000"/>
-              </a:lnSpc>
-              <a:buFontTx/>
-              <a:buNone/>
-            </a:pPr>
-            <a:r>
-              <a:rPr lang="it-IT" sz="2400" b="1" dirty="0">
-                <a:latin typeface="Courier New" pitchFamily="49" charset="0"/>
-              </a:rPr>
-              <a:t>  </a:t>
-            </a:r>
-            <a:r>
-              <a:rPr lang="en-US" sz="2400" b="1" dirty="0">
-                <a:latin typeface="Courier New" pitchFamily="49" charset="0"/>
-              </a:rPr>
-              <a:t>(</a:t>
-            </a:r>
-            <a:r>
-              <a:rPr lang="en-US" sz="2400" b="1" dirty="0" err="1">
-                <a:latin typeface="Courier New" pitchFamily="49" charset="0"/>
-              </a:rPr>
-              <a:t>letrec</a:t>
-            </a:r>
-            <a:r>
-              <a:rPr lang="en-US" sz="2400" b="1" dirty="0">
-                <a:latin typeface="Courier New" pitchFamily="49" charset="0"/>
-              </a:rPr>
-              <a:t> </a:t>
-            </a:r>
-          </a:p>
-          <a:p>
-            <a:pPr>
-              <a:lnSpc>
-                <a:spcPct val="80000"/>
-              </a:lnSpc>
-              <a:buFontTx/>
-              <a:buNone/>
-            </a:pPr>
-            <a:r>
-              <a:rPr lang="en-US" sz="2400" b="1" dirty="0">
-                <a:latin typeface="Courier New" pitchFamily="49" charset="0"/>
-              </a:rPr>
-              <a:t>    ([helper </a:t>
-            </a:r>
-          </a:p>
-          <a:p>
-            <a:pPr>
-              <a:lnSpc>
-                <a:spcPct val="80000"/>
-              </a:lnSpc>
-              <a:buFontTx/>
-              <a:buNone/>
-            </a:pPr>
-            <a:r>
-              <a:rPr lang="en-US" sz="2400" b="1" dirty="0">
-                <a:latin typeface="Courier New" pitchFamily="49" charset="0"/>
-              </a:rPr>
-              <a:t>       (lambda (L)</a:t>
-            </a:r>
-          </a:p>
-          <a:p>
-            <a:pPr>
-              <a:lnSpc>
-                <a:spcPct val="80000"/>
-              </a:lnSpc>
-              <a:buFontTx/>
-              <a:buNone/>
-            </a:pPr>
-            <a:r>
-              <a:rPr lang="en-US" sz="2400" b="1" dirty="0">
-                <a:latin typeface="Courier New" pitchFamily="49" charset="0"/>
-              </a:rPr>
-              <a:t>          (if (null? L)</a:t>
-            </a:r>
-          </a:p>
-          <a:p>
-            <a:pPr>
-              <a:lnSpc>
-                <a:spcPct val="80000"/>
-              </a:lnSpc>
-              <a:buFontTx/>
-              <a:buNone/>
-            </a:pPr>
-            <a:r>
-              <a:rPr lang="en-US" sz="2400" b="1" dirty="0">
-                <a:latin typeface="Courier New" pitchFamily="49" charset="0"/>
-              </a:rPr>
-              <a:t>              (values 0 0) </a:t>
-            </a:r>
-            <a:r>
-              <a:rPr lang="en-US" sz="2400" b="1" dirty="0">
-                <a:solidFill>
-                  <a:srgbClr val="FF0000"/>
-                </a:solidFill>
-                <a:latin typeface="Courier New" pitchFamily="49" charset="0"/>
-              </a:rPr>
-              <a:t>; sum, length</a:t>
-            </a:r>
-          </a:p>
-          <a:p>
-            <a:pPr>
-              <a:lnSpc>
-                <a:spcPct val="80000"/>
-              </a:lnSpc>
-              <a:buFontTx/>
-              <a:buNone/>
-            </a:pPr>
-            <a:r>
-              <a:rPr lang="en-US" sz="2400" b="1" dirty="0">
-                <a:latin typeface="Courier New" pitchFamily="49" charset="0"/>
-              </a:rPr>
-              <a:t>              (</a:t>
-            </a:r>
-            <a:r>
-              <a:rPr lang="en-US" sz="2400" b="1" dirty="0" err="1">
-                <a:latin typeface="Courier New" pitchFamily="49" charset="0"/>
-              </a:rPr>
-              <a:t>mvlet</a:t>
-            </a:r>
-            <a:r>
-              <a:rPr lang="en-US" sz="2400" b="1" dirty="0">
-                <a:latin typeface="Courier New" pitchFamily="49" charset="0"/>
-              </a:rPr>
-              <a:t> ((sum </a:t>
-            </a:r>
-            <a:r>
-              <a:rPr lang="en-US" sz="2400" b="1" dirty="0" err="1">
-                <a:latin typeface="Courier New" pitchFamily="49" charset="0"/>
-              </a:rPr>
-              <a:t>len</a:t>
-            </a:r>
-            <a:r>
-              <a:rPr lang="en-US" sz="2400" b="1" dirty="0">
-                <a:latin typeface="Courier New" pitchFamily="49" charset="0"/>
-              </a:rPr>
-              <a:t>) </a:t>
-            </a:r>
-          </a:p>
-          <a:p>
-            <a:pPr>
-              <a:lnSpc>
-                <a:spcPct val="80000"/>
-              </a:lnSpc>
-              <a:buFontTx/>
-              <a:buNone/>
-            </a:pPr>
-            <a:r>
-              <a:rPr lang="en-US" sz="2400" b="1" dirty="0">
-                <a:latin typeface="Courier New" pitchFamily="49" charset="0"/>
-              </a:rPr>
-              <a:t>                      (helper (</a:t>
-            </a:r>
-            <a:r>
-              <a:rPr lang="en-US" sz="2400" b="1" dirty="0" err="1">
-                <a:latin typeface="Courier New" pitchFamily="49" charset="0"/>
-              </a:rPr>
-              <a:t>cdr</a:t>
-            </a:r>
-            <a:r>
-              <a:rPr lang="en-US" sz="2400" b="1" dirty="0">
-                <a:latin typeface="Courier New" pitchFamily="49" charset="0"/>
-              </a:rPr>
-              <a:t> L)))</a:t>
-            </a:r>
-          </a:p>
-          <a:p>
-            <a:pPr>
-              <a:lnSpc>
-                <a:spcPct val="80000"/>
-              </a:lnSpc>
-              <a:buFontTx/>
-              <a:buNone/>
-            </a:pPr>
-            <a:r>
-              <a:rPr lang="en-US" sz="2400" b="1" dirty="0">
-                <a:latin typeface="Courier New" pitchFamily="49" charset="0"/>
-              </a:rPr>
-              <a:t>                (values (+ sum (car L)) </a:t>
-            </a:r>
-          </a:p>
-          <a:p>
-            <a:pPr>
-              <a:lnSpc>
-                <a:spcPct val="80000"/>
-              </a:lnSpc>
-              <a:buFontTx/>
-              <a:buNone/>
-            </a:pPr>
-            <a:r>
-              <a:rPr lang="en-US" sz="2400" b="1" dirty="0">
-                <a:latin typeface="Courier New" pitchFamily="49" charset="0"/>
-              </a:rPr>
-              <a:t>                        (+ 1 </a:t>
-            </a:r>
-            <a:r>
-              <a:rPr lang="en-US" sz="2400" b="1" dirty="0" err="1">
-                <a:latin typeface="Courier New" pitchFamily="49" charset="0"/>
-              </a:rPr>
-              <a:t>len</a:t>
-            </a:r>
-            <a:r>
-              <a:rPr lang="en-US" sz="2400" b="1" dirty="0">
-                <a:latin typeface="Courier New" pitchFamily="49" charset="0"/>
-              </a:rPr>
-              <a:t>)))))])</a:t>
-            </a:r>
-          </a:p>
-          <a:p>
-            <a:pPr>
-              <a:lnSpc>
-                <a:spcPct val="80000"/>
-              </a:lnSpc>
-              <a:buFontTx/>
-              <a:buNone/>
-            </a:pPr>
-            <a:r>
-              <a:rPr lang="en-US" sz="2400" b="1" dirty="0">
-                <a:latin typeface="Courier New" pitchFamily="49" charset="0"/>
-              </a:rPr>
-              <a:t>    (lambda (L)</a:t>
-            </a:r>
-          </a:p>
-          <a:p>
-            <a:pPr>
-              <a:lnSpc>
-                <a:spcPct val="80000"/>
-              </a:lnSpc>
-              <a:buFontTx/>
-              <a:buNone/>
-            </a:pPr>
-            <a:r>
-              <a:rPr lang="en-US" sz="2400" b="1" dirty="0">
-                <a:latin typeface="Courier New" pitchFamily="49" charset="0"/>
-              </a:rPr>
-              <a:t>      (with-values (helper L) / ))))</a:t>
-            </a:r>
-          </a:p>
-        </p:txBody>
-      </p:sp>
-    </p:spTree>
-  </p:cSld>
-  <p:clrMapOvr>
-    <a:masterClrMapping/>
-  </p:clrMapOvr>
-</p:sld>
-</file>
-
-<file path=ppt/slides/slide21.xml><?xml version="1.0" encoding="utf-8"?>
-<p:sld xmlns:a="http://schemas.openxmlformats.org/drawingml/2006/main" xmlns:r="http://schemas.openxmlformats.org/officeDocument/2006/relationships" xmlns:p="http://schemas.openxmlformats.org/presentationml/2006/main">
-  <p:cSld>
-    <p:spTree>
-      <p:nvGrpSpPr>
-        <p:cNvPr id="1" name=""/>
-        <p:cNvGrpSpPr/>
-        <p:nvPr/>
-      </p:nvGrpSpPr>
-      <p:grpSpPr>
-        <a:xfrm>
-          <a:off x="0" y="0"/>
-          <a:ext cx="0" cy="0"/>
-          <a:chOff x="0" y="0"/>
-          <a:chExt cx="0" cy="0"/>
-        </a:xfrm>
-      </p:grpSpPr>
-      <p:sp>
-        <p:nvSpPr>
-          <p:cNvPr id="2" name="Title 1">
-            <a:extLst>
-              <a:ext uri="{FF2B5EF4-FFF2-40B4-BE49-F238E27FC236}">
-                <a16:creationId xmlns:a16="http://schemas.microsoft.com/office/drawing/2014/main" id="{DC3EA48B-EE4F-42A1-8067-33202607F020}"/>
-              </a:ext>
-            </a:extLst>
-          </p:cNvPr>
-          <p:cNvSpPr>
-            <a:spLocks noGrp="1"/>
-          </p:cNvSpPr>
-          <p:nvPr>
-            <p:ph type="title"/>
-          </p:nvPr>
-        </p:nvSpPr>
-        <p:spPr>
-          <a:xfrm>
-            <a:off x="457200" y="274638"/>
-            <a:ext cx="8229600" cy="1325562"/>
-          </a:xfrm>
-        </p:spPr>
-        <p:txBody>
-          <a:bodyPr/>
-          <a:lstStyle/>
-          <a:p>
-            <a:r>
-              <a:rPr lang="en-US" dirty="0"/>
-              <a:t>Don’t forget the </a:t>
-            </a:r>
-            <a:r>
-              <a:rPr lang="en-US" dirty="0" err="1"/>
-              <a:t>e&amp;c</a:t>
-            </a:r>
-            <a:r>
-              <a:rPr lang="en-US" dirty="0"/>
-              <a:t> mini exam is Monday</a:t>
-            </a:r>
-          </a:p>
-        </p:txBody>
-      </p:sp>
-      <p:sp>
-        <p:nvSpPr>
-          <p:cNvPr id="3" name="Content Placeholder 2">
-            <a:extLst>
-              <a:ext uri="{FF2B5EF4-FFF2-40B4-BE49-F238E27FC236}">
-                <a16:creationId xmlns:a16="http://schemas.microsoft.com/office/drawing/2014/main" id="{DB6C0755-0335-4338-B232-892122F546B6}"/>
-              </a:ext>
-            </a:extLst>
-          </p:cNvPr>
-          <p:cNvSpPr>
-            <a:spLocks noGrp="1"/>
-          </p:cNvSpPr>
-          <p:nvPr>
-            <p:ph idx="1"/>
-          </p:nvPr>
-        </p:nvSpPr>
-        <p:spPr>
-          <a:xfrm>
-            <a:off x="457200" y="1981200"/>
-            <a:ext cx="8229600" cy="4144963"/>
-          </a:xfrm>
-        </p:spPr>
-        <p:txBody>
-          <a:bodyPr/>
-          <a:lstStyle/>
-          <a:p>
-            <a:r>
-              <a:rPr lang="en-US" dirty="0"/>
-              <a:t>You’ll have 30 minutes to do one problem</a:t>
-            </a:r>
-          </a:p>
-          <a:p>
-            <a:r>
-              <a:rPr lang="en-US" dirty="0"/>
-              <a:t>It will be </a:t>
-            </a:r>
-            <a:r>
-              <a:rPr lang="en-US"/>
-              <a:t>20 points of Exam2</a:t>
-            </a:r>
-            <a:endParaRPr lang="en-US" dirty="0"/>
-          </a:p>
-        </p:txBody>
-      </p:sp>
-    </p:spTree>
-    <p:extLst>
-      <p:ext uri="{BB962C8B-B14F-4D97-AF65-F5344CB8AC3E}">
-        <p14:creationId xmlns:p14="http://schemas.microsoft.com/office/powerpoint/2010/main" val="3306011773"/>
-      </p:ext>
-    </p:extLst>
-  </p:cSld>
-  <p:clrMapOvr>
-    <a:masterClrMapping/>
-  </p:clrMapOvr>
-</p:sld>
-</file>
-
-<file path=ppt/slides/slide22.xml><?xml version="1.0" encoding="utf-8"?>
-<p:sld xmlns:a="http://schemas.openxmlformats.org/drawingml/2006/main" xmlns:r="http://schemas.openxmlformats.org/officeDocument/2006/relationships" xmlns:p="http://schemas.openxmlformats.org/presentationml/2006/main">
-  <p:cSld>
-    <p:spTree>
-      <p:nvGrpSpPr>
-        <p:cNvPr id="1" name=""/>
-        <p:cNvGrpSpPr/>
-        <p:nvPr/>
-      </p:nvGrpSpPr>
-      <p:grpSpPr>
-        <a:xfrm>
-          <a:off x="0" y="0"/>
-          <a:ext cx="0" cy="0"/>
-          <a:chOff x="0" y="0"/>
-          <a:chExt cx="0" cy="0"/>
-        </a:xfrm>
-      </p:grpSpPr>
-      <p:sp>
-        <p:nvSpPr>
           <p:cNvPr id="134146" name="Rectangle 2"/>
           <p:cNvSpPr>
             <a:spLocks noGrp="1" noChangeArrowheads="1"/>
@@ -7635,7 +6827,7 @@
 </p:sld>
 </file>
 
-<file path=ppt/slides/slide23.xml><?xml version="1.0" encoding="utf-8"?>
+<file path=ppt/slides/slide21.xml><?xml version="1.0" encoding="utf-8"?>
 <p:sld xmlns:a="http://schemas.openxmlformats.org/drawingml/2006/main" xmlns:r="http://schemas.openxmlformats.org/officeDocument/2006/relationships" xmlns:p="http://schemas.openxmlformats.org/presentationml/2006/main" showMasterPhAnim="0">
   <p:cSld>
     <p:spTree>
@@ -10124,8 +9316,13 @@
           <a:p>
             <a:r>
               <a:rPr lang="en-US" dirty="0"/>
-              <a:t>Call-with-values, with-values, mv-let</a:t>
-            </a:r>
+              <a:t>Call-with-values</a:t>
+            </a:r>
+            <a:r>
+              <a:rPr lang="en-US"/>
+              <a:t>, let-values</a:t>
+            </a:r>
+            <a:endParaRPr lang="en-US" dirty="0"/>
           </a:p>
         </p:txBody>
       </p:sp>

--- a/ClassMaterials/Memoization/memoization.pptx
+++ b/ClassMaterials/Memoization/memoization.pptx
@@ -190,38 +190,6 @@
 <file path=ppt/changesInfos/changesInfo1.xml><?xml version="1.0" encoding="utf-8"?>
 <pc:chgInfo xmlns:a="http://schemas.openxmlformats.org/drawingml/2006/main" xmlns:r="http://schemas.openxmlformats.org/officeDocument/2006/relationships" xmlns:ac="http://schemas.microsoft.com/office/drawing/2013/main/command" xmlns:pc="http://schemas.microsoft.com/office/powerpoint/2013/main/command">
   <pc:docChgLst>
-    <pc:chgData name="Hewner, Mike" userId="7f3f83dd-6dfb-4127-a87f-c1714bd4fac9" providerId="ADAL" clId="{1F2DF6E0-28FA-4987-BAD5-258F5BBC5476}"/>
-    <pc:docChg chg="custSel addSld modSld">
-      <pc:chgData name="Hewner, Mike" userId="7f3f83dd-6dfb-4127-a87f-c1714bd4fac9" providerId="ADAL" clId="{1F2DF6E0-28FA-4987-BAD5-258F5BBC5476}" dt="2021-10-08T14:22:53.002" v="158" actId="20577"/>
-      <pc:docMkLst>
-        <pc:docMk/>
-      </pc:docMkLst>
-      <pc:sldChg chg="modSp new mod">
-        <pc:chgData name="Hewner, Mike" userId="7f3f83dd-6dfb-4127-a87f-c1714bd4fac9" providerId="ADAL" clId="{1F2DF6E0-28FA-4987-BAD5-258F5BBC5476}" dt="2021-10-08T14:22:53.002" v="158" actId="20577"/>
-        <pc:sldMkLst>
-          <pc:docMk/>
-          <pc:sldMk cId="3306011773" sldId="462"/>
-        </pc:sldMkLst>
-        <pc:spChg chg="mod">
-          <ac:chgData name="Hewner, Mike" userId="7f3f83dd-6dfb-4127-a87f-c1714bd4fac9" providerId="ADAL" clId="{1F2DF6E0-28FA-4987-BAD5-258F5BBC5476}" dt="2021-10-08T14:21:42.088" v="74" actId="14100"/>
-          <ac:spMkLst>
-            <pc:docMk/>
-            <pc:sldMk cId="3306011773" sldId="462"/>
-            <ac:spMk id="2" creationId="{DC3EA48B-EE4F-42A1-8067-33202607F020}"/>
-          </ac:spMkLst>
-        </pc:spChg>
-        <pc:spChg chg="mod">
-          <ac:chgData name="Hewner, Mike" userId="7f3f83dd-6dfb-4127-a87f-c1714bd4fac9" providerId="ADAL" clId="{1F2DF6E0-28FA-4987-BAD5-258F5BBC5476}" dt="2021-10-08T14:22:53.002" v="158" actId="20577"/>
-          <ac:spMkLst>
-            <pc:docMk/>
-            <pc:sldMk cId="3306011773" sldId="462"/>
-            <ac:spMk id="3" creationId="{DB6C0755-0335-4338-B232-892122F546B6}"/>
-          </ac:spMkLst>
-        </pc:spChg>
-      </pc:sldChg>
-    </pc:docChg>
-  </pc:docChgLst>
-  <pc:docChgLst>
     <pc:chgData name="Hewner, Mike" userId="7f3f83dd-6dfb-4127-a87f-c1714bd4fac9" providerId="ADAL" clId="{AB88673C-5369-4168-9C8D-24E8F8BDEE23}"/>
     <pc:docChg chg="custSel delSld modSld">
       <pc:chgData name="Hewner, Mike" userId="7f3f83dd-6dfb-4127-a87f-c1714bd4fac9" providerId="ADAL" clId="{AB88673C-5369-4168-9C8D-24E8F8BDEE23}" dt="2023-01-17T19:57:09.987" v="239" actId="20577"/>
@@ -316,6 +284,38 @@
             <pc:docMk/>
             <pc:sldMk cId="3393604854" sldId="461"/>
             <ac:spMk id="6" creationId="{D888AC64-94BD-4475-85C5-07499E04A6E4}"/>
+          </ac:spMkLst>
+        </pc:spChg>
+      </pc:sldChg>
+    </pc:docChg>
+  </pc:docChgLst>
+  <pc:docChgLst>
+    <pc:chgData name="Hewner, Mike" userId="7f3f83dd-6dfb-4127-a87f-c1714bd4fac9" providerId="ADAL" clId="{1F2DF6E0-28FA-4987-BAD5-258F5BBC5476}"/>
+    <pc:docChg chg="custSel addSld modSld">
+      <pc:chgData name="Hewner, Mike" userId="7f3f83dd-6dfb-4127-a87f-c1714bd4fac9" providerId="ADAL" clId="{1F2DF6E0-28FA-4987-BAD5-258F5BBC5476}" dt="2021-10-08T14:22:53.002" v="158" actId="20577"/>
+      <pc:docMkLst>
+        <pc:docMk/>
+      </pc:docMkLst>
+      <pc:sldChg chg="modSp new mod">
+        <pc:chgData name="Hewner, Mike" userId="7f3f83dd-6dfb-4127-a87f-c1714bd4fac9" providerId="ADAL" clId="{1F2DF6E0-28FA-4987-BAD5-258F5BBC5476}" dt="2021-10-08T14:22:53.002" v="158" actId="20577"/>
+        <pc:sldMkLst>
+          <pc:docMk/>
+          <pc:sldMk cId="3306011773" sldId="462"/>
+        </pc:sldMkLst>
+        <pc:spChg chg="mod">
+          <ac:chgData name="Hewner, Mike" userId="7f3f83dd-6dfb-4127-a87f-c1714bd4fac9" providerId="ADAL" clId="{1F2DF6E0-28FA-4987-BAD5-258F5BBC5476}" dt="2021-10-08T14:21:42.088" v="74" actId="14100"/>
+          <ac:spMkLst>
+            <pc:docMk/>
+            <pc:sldMk cId="3306011773" sldId="462"/>
+            <ac:spMk id="2" creationId="{DC3EA48B-EE4F-42A1-8067-33202607F020}"/>
+          </ac:spMkLst>
+        </pc:spChg>
+        <pc:spChg chg="mod">
+          <ac:chgData name="Hewner, Mike" userId="7f3f83dd-6dfb-4127-a87f-c1714bd4fac9" providerId="ADAL" clId="{1F2DF6E0-28FA-4987-BAD5-258F5BBC5476}" dt="2021-10-08T14:22:53.002" v="158" actId="20577"/>
+          <ac:spMkLst>
+            <pc:docMk/>
+            <pc:sldMk cId="3306011773" sldId="462"/>
+            <ac:spMk id="3" creationId="{DB6C0755-0335-4338-B232-892122F546B6}"/>
           </ac:spMkLst>
         </pc:spChg>
       </pc:sldChg>
@@ -3860,13 +3860,8 @@
             </a:br>
             <a:r>
               <a:rPr lang="en-US" dirty="0"/>
-              <a:t>with-values, </a:t>
-            </a:r>
-            <a:r>
-              <a:rPr lang="en-US" dirty="0" err="1"/>
-              <a:t>mvlet</a:t>
-            </a:r>
-            <a:endParaRPr lang="en-US" dirty="0"/>
+              <a:t>with-values, LET-VALUES</a:t>
+            </a:r>
           </a:p>
         </p:txBody>
       </p:sp>
